--- a/杂诗.pptx
+++ b/杂诗.pptx
@@ -11479,6 +11479,53 @@
           </a:p>
         </p:txBody>
       </p:sp>
+      <p:sp>
+        <p:nvSpPr>
+          <p:cNvPr id="4" name="动作按钮: 前进或下一项 3">
+            <a:hlinkClick r:id="rId4" highlightClick="1"/>
+            <a:extLst>
+              <a:ext uri="{FF2B5EF4-FFF2-40B4-BE49-F238E27FC236}">
+                <a16:creationId xmlns:a16="http://schemas.microsoft.com/office/drawing/2014/main" id="{9C78E23F-8638-4D7B-909F-C7156F95B638}"/>
+              </a:ext>
+            </a:extLst>
+          </p:cNvPr>
+          <p:cNvSpPr/>
+          <p:nvPr/>
+        </p:nvSpPr>
+        <p:spPr>
+          <a:xfrm>
+            <a:off x="11113107" y="5738949"/>
+            <a:ext cx="512836" cy="444137"/>
+          </a:xfrm>
+          <a:prstGeom prst="actionButtonForwardNext">
+            <a:avLst/>
+          </a:prstGeom>
+        </p:spPr>
+        <p:style>
+          <a:lnRef idx="2">
+            <a:schemeClr val="accent1">
+              <a:shade val="50000"/>
+            </a:schemeClr>
+          </a:lnRef>
+          <a:fillRef idx="1">
+            <a:schemeClr val="accent1"/>
+          </a:fillRef>
+          <a:effectRef idx="0">
+            <a:schemeClr val="accent1"/>
+          </a:effectRef>
+          <a:fontRef idx="minor">
+            <a:schemeClr val="lt1"/>
+          </a:fontRef>
+        </p:style>
+        <p:txBody>
+          <a:bodyPr rtlCol="0" anchor="ctr"/>
+          <a:lstStyle/>
+          <a:p>
+            <a:pPr algn="ctr"/>
+            <a:endParaRPr lang="zh-CN" altLang="en-US" dirty="0"/>
+          </a:p>
+        </p:txBody>
+      </p:sp>
     </p:spTree>
     <p:extLst>
       <p:ext uri="{BB962C8B-B14F-4D97-AF65-F5344CB8AC3E}">
@@ -12097,6 +12144,59 @@
                       </p:childTnLst>
                     </p:cTn>
                   </p:par>
+                  <p:par>
+                    <p:cTn id="39" fill="hold">
+                      <p:stCondLst>
+                        <p:cond delay="indefinite"/>
+                      </p:stCondLst>
+                      <p:childTnLst>
+                        <p:par>
+                          <p:cTn id="40" fill="hold">
+                            <p:stCondLst>
+                              <p:cond delay="0"/>
+                            </p:stCondLst>
+                            <p:childTnLst>
+                              <p:par>
+                                <p:cTn id="41" presetID="14" presetClass="entr" presetSubtype="10" fill="hold" grpId="0" nodeType="clickEffect">
+                                  <p:stCondLst>
+                                    <p:cond delay="0"/>
+                                  </p:stCondLst>
+                                  <p:childTnLst>
+                                    <p:set>
+                                      <p:cBhvr>
+                                        <p:cTn id="42" dur="1" fill="hold">
+                                          <p:stCondLst>
+                                            <p:cond delay="0"/>
+                                          </p:stCondLst>
+                                        </p:cTn>
+                                        <p:tgtEl>
+                                          <p:spTgt spid="4"/>
+                                        </p:tgtEl>
+                                        <p:attrNameLst>
+                                          <p:attrName>style.visibility</p:attrName>
+                                        </p:attrNameLst>
+                                      </p:cBhvr>
+                                      <p:to>
+                                        <p:strVal val="visible"/>
+                                      </p:to>
+                                    </p:set>
+                                    <p:animEffect transition="in" filter="randombar(horizontal)">
+                                      <p:cBhvr>
+                                        <p:cTn id="43" dur="500"/>
+                                        <p:tgtEl>
+                                          <p:spTgt spid="4"/>
+                                        </p:tgtEl>
+                                      </p:cBhvr>
+                                    </p:animEffect>
+                                  </p:childTnLst>
+                                </p:cTn>
+                              </p:par>
+                            </p:childTnLst>
+                          </p:cTn>
+                        </p:par>
+                      </p:childTnLst>
+                    </p:cTn>
+                  </p:par>
                 </p:childTnLst>
               </p:cTn>
               <p:prevCondLst>
@@ -12122,6 +12222,7 @@
       <p:bldP spid="2" grpId="0"/>
       <p:bldP spid="6" grpId="0" uiExpand="1" build="p"/>
       <p:bldP spid="8" grpId="0" uiExpand="1" build="p"/>
+      <p:bldP spid="4" grpId="0" animBg="1"/>
     </p:bldLst>
   </p:timing>
 </p:sld>

--- a/杂诗.pptx
+++ b/杂诗.pptx
@@ -9181,30 +9181,21 @@
                             </p:childTnLst>
                           </p:cTn>
                         </p:par>
-                      </p:childTnLst>
-                    </p:cTn>
-                  </p:par>
-                  <p:par>
-                    <p:cTn id="8" fill="hold">
-                      <p:stCondLst>
-                        <p:cond delay="indefinite"/>
-                      </p:stCondLst>
-                      <p:childTnLst>
                         <p:par>
-                          <p:cTn id="9" fill="hold">
+                          <p:cTn id="8" fill="hold">
                             <p:stCondLst>
-                              <p:cond delay="0"/>
+                              <p:cond delay="500"/>
                             </p:stCondLst>
                             <p:childTnLst>
                               <p:par>
-                                <p:cTn id="10" presetID="47" presetClass="entr" presetSubtype="0" fill="hold" nodeType="clickEffect">
+                                <p:cTn id="9" presetID="47" presetClass="entr" presetSubtype="0" fill="hold" nodeType="afterEffect">
                                   <p:stCondLst>
                                     <p:cond delay="0"/>
                                   </p:stCondLst>
                                   <p:childTnLst>
                                     <p:set>
                                       <p:cBhvr>
-                                        <p:cTn id="11" dur="1" fill="hold">
+                                        <p:cTn id="10" dur="1" fill="hold">
                                           <p:stCondLst>
                                             <p:cond delay="0"/>
                                           </p:stCondLst>
@@ -9222,7 +9213,7 @@
                                     </p:set>
                                     <p:animEffect transition="in" filter="fade">
                                       <p:cBhvr>
-                                        <p:cTn id="12" dur="1000"/>
+                                        <p:cTn id="11" dur="1000"/>
                                         <p:tgtEl>
                                           <p:spTgt spid="8"/>
                                         </p:tgtEl>
@@ -9230,7 +9221,7 @@
                                     </p:animEffect>
                                     <p:anim calcmode="lin" valueType="num">
                                       <p:cBhvr>
-                                        <p:cTn id="13" dur="1000" fill="hold"/>
+                                        <p:cTn id="12" dur="1000" fill="hold"/>
                                         <p:tgtEl>
                                           <p:spTgt spid="8"/>
                                         </p:tgtEl>
@@ -9253,7 +9244,7 @@
                                     </p:anim>
                                     <p:anim calcmode="lin" valueType="num">
                                       <p:cBhvr>
-                                        <p:cTn id="14" dur="1000" fill="hold"/>
+                                        <p:cTn id="13" dur="1000" fill="hold"/>
                                         <p:tgtEl>
                                           <p:spTgt spid="8"/>
                                         </p:tgtEl>
@@ -9281,20 +9272,20 @@
                           </p:cTn>
                         </p:par>
                         <p:par>
-                          <p:cTn id="15" fill="hold">
+                          <p:cTn id="14" fill="hold">
                             <p:stCondLst>
-                              <p:cond delay="1000"/>
+                              <p:cond delay="1500"/>
                             </p:stCondLst>
                             <p:childTnLst>
                               <p:par>
-                                <p:cTn id="16" presetID="22" presetClass="entr" presetSubtype="4" fill="hold" nodeType="afterEffect">
+                                <p:cTn id="15" presetID="22" presetClass="entr" presetSubtype="4" fill="hold" nodeType="afterEffect">
                                   <p:stCondLst>
                                     <p:cond delay="0"/>
                                   </p:stCondLst>
                                   <p:childTnLst>
                                     <p:set>
                                       <p:cBhvr>
-                                        <p:cTn id="17" dur="1" fill="hold">
+                                        <p:cTn id="16" dur="1" fill="hold">
                                           <p:stCondLst>
                                             <p:cond delay="0"/>
                                           </p:stCondLst>
@@ -9312,7 +9303,7 @@
                                     </p:set>
                                     <p:animEffect transition="in" filter="wipe(down)">
                                       <p:cBhvr>
-                                        <p:cTn id="18" dur="500"/>
+                                        <p:cTn id="17" dur="500"/>
                                         <p:tgtEl>
                                           <p:spTgt spid="14"/>
                                         </p:tgtEl>
@@ -9324,23 +9315,14 @@
                             </p:childTnLst>
                           </p:cTn>
                         </p:par>
-                      </p:childTnLst>
-                    </p:cTn>
-                  </p:par>
-                  <p:par>
-                    <p:cTn id="19" fill="hold">
-                      <p:stCondLst>
-                        <p:cond delay="indefinite"/>
-                      </p:stCondLst>
-                      <p:childTnLst>
                         <p:par>
-                          <p:cTn id="20" fill="hold">
+                          <p:cTn id="18" fill="hold">
                             <p:stCondLst>
-                              <p:cond delay="0"/>
+                              <p:cond delay="2000"/>
                             </p:stCondLst>
                             <p:childTnLst>
                               <p:par>
-                                <p:cTn id="21" presetID="41" presetClass="entr" presetSubtype="0" fill="hold" grpId="0" nodeType="clickEffect">
+                                <p:cTn id="19" presetID="41" presetClass="entr" presetSubtype="0" fill="hold" grpId="0" nodeType="afterEffect">
                                   <p:stCondLst>
                                     <p:cond delay="0"/>
                                   </p:stCondLst>
@@ -9350,7 +9332,7 @@
                                   <p:childTnLst>
                                     <p:set>
                                       <p:cBhvr>
-                                        <p:cTn id="22" dur="1" fill="hold">
+                                        <p:cTn id="20" dur="1" fill="hold">
                                           <p:stCondLst>
                                             <p:cond delay="0"/>
                                           </p:stCondLst>
@@ -9368,7 +9350,7 @@
                                     </p:set>
                                     <p:anim calcmode="lin" valueType="num">
                                       <p:cBhvr>
-                                        <p:cTn id="23" dur="500" fill="hold"/>
+                                        <p:cTn id="21" dur="500" fill="hold"/>
                                         <p:tgtEl>
                                           <p:spTgt spid="10"/>
                                         </p:tgtEl>
@@ -9396,7 +9378,7 @@
                                     </p:anim>
                                     <p:anim calcmode="lin" valueType="num">
                                       <p:cBhvr>
-                                        <p:cTn id="24" dur="500" fill="hold"/>
+                                        <p:cTn id="22" dur="500" fill="hold"/>
                                         <p:tgtEl>
                                           <p:spTgt spid="10"/>
                                         </p:tgtEl>
@@ -9419,7 +9401,7 @@
                                     </p:anim>
                                     <p:anim calcmode="lin" valueType="num">
                                       <p:cBhvr>
-                                        <p:cTn id="25" dur="500" fill="hold"/>
+                                        <p:cTn id="23" dur="500" fill="hold"/>
                                         <p:tgtEl>
                                           <p:spTgt spid="10"/>
                                         </p:tgtEl>
@@ -9447,7 +9429,7 @@
                                     </p:anim>
                                     <p:anim calcmode="lin" valueType="num">
                                       <p:cBhvr>
-                                        <p:cTn id="26" dur="500" fill="hold"/>
+                                        <p:cTn id="24" dur="500" fill="hold"/>
                                         <p:tgtEl>
                                           <p:spTgt spid="10"/>
                                         </p:tgtEl>
@@ -9475,7 +9457,7 @@
                                     </p:anim>
                                     <p:animEffect transition="in" filter="fade">
                                       <p:cBhvr>
-                                        <p:cTn id="27" dur="500" tmFilter="0,0; .5, 1; 1, 1"/>
+                                        <p:cTn id="25" dur="500" tmFilter="0,0; .5, 1; 1, 1"/>
                                         <p:tgtEl>
                                           <p:spTgt spid="10"/>
                                         </p:tgtEl>
@@ -10939,30 +10921,21 @@
                             </p:childTnLst>
                           </p:cTn>
                         </p:par>
-                      </p:childTnLst>
-                    </p:cTn>
-                  </p:par>
-                  <p:par>
-                    <p:cTn id="8" fill="hold">
-                      <p:stCondLst>
-                        <p:cond delay="indefinite"/>
-                      </p:stCondLst>
-                      <p:childTnLst>
                         <p:par>
-                          <p:cTn id="9" fill="hold">
+                          <p:cTn id="8" fill="hold">
                             <p:stCondLst>
-                              <p:cond delay="0"/>
+                              <p:cond delay="500"/>
                             </p:stCondLst>
                             <p:childTnLst>
                               <p:par>
-                                <p:cTn id="10" presetID="47" presetClass="entr" presetSubtype="0" fill="hold" nodeType="clickEffect">
+                                <p:cTn id="9" presetID="47" presetClass="entr" presetSubtype="0" fill="hold" nodeType="afterEffect">
                                   <p:stCondLst>
                                     <p:cond delay="0"/>
                                   </p:stCondLst>
                                   <p:childTnLst>
                                     <p:set>
                                       <p:cBhvr>
-                                        <p:cTn id="11" dur="1" fill="hold">
+                                        <p:cTn id="10" dur="1" fill="hold">
                                           <p:stCondLst>
                                             <p:cond delay="0"/>
                                           </p:stCondLst>
@@ -10980,7 +10953,7 @@
                                     </p:set>
                                     <p:animEffect transition="in" filter="fade">
                                       <p:cBhvr>
-                                        <p:cTn id="12" dur="1000"/>
+                                        <p:cTn id="11" dur="1000"/>
                                         <p:tgtEl>
                                           <p:spTgt spid="8"/>
                                         </p:tgtEl>
@@ -10988,7 +10961,7 @@
                                     </p:animEffect>
                                     <p:anim calcmode="lin" valueType="num">
                                       <p:cBhvr>
-                                        <p:cTn id="13" dur="1000" fill="hold"/>
+                                        <p:cTn id="12" dur="1000" fill="hold"/>
                                         <p:tgtEl>
                                           <p:spTgt spid="8"/>
                                         </p:tgtEl>
@@ -11011,7 +10984,7 @@
                                     </p:anim>
                                     <p:anim calcmode="lin" valueType="num">
                                       <p:cBhvr>
-                                        <p:cTn id="14" dur="1000" fill="hold"/>
+                                        <p:cTn id="13" dur="1000" fill="hold"/>
                                         <p:tgtEl>
                                           <p:spTgt spid="8"/>
                                         </p:tgtEl>
@@ -11039,20 +11012,20 @@
                           </p:cTn>
                         </p:par>
                         <p:par>
-                          <p:cTn id="15" fill="hold">
+                          <p:cTn id="14" fill="hold">
                             <p:stCondLst>
-                              <p:cond delay="1000"/>
+                              <p:cond delay="1500"/>
                             </p:stCondLst>
                             <p:childTnLst>
                               <p:par>
-                                <p:cTn id="16" presetID="22" presetClass="entr" presetSubtype="4" fill="hold" nodeType="afterEffect">
+                                <p:cTn id="15" presetID="22" presetClass="entr" presetSubtype="4" fill="hold" nodeType="afterEffect">
                                   <p:stCondLst>
                                     <p:cond delay="0"/>
                                   </p:stCondLst>
                                   <p:childTnLst>
                                     <p:set>
                                       <p:cBhvr>
-                                        <p:cTn id="17" dur="1" fill="hold">
+                                        <p:cTn id="16" dur="1" fill="hold">
                                           <p:stCondLst>
                                             <p:cond delay="0"/>
                                           </p:stCondLst>
@@ -11070,7 +11043,7 @@
                                     </p:set>
                                     <p:animEffect transition="in" filter="wipe(down)">
                                       <p:cBhvr>
-                                        <p:cTn id="18" dur="500"/>
+                                        <p:cTn id="17" dur="500"/>
                                         <p:tgtEl>
                                           <p:spTgt spid="14"/>
                                         </p:tgtEl>
@@ -11082,23 +11055,14 @@
                             </p:childTnLst>
                           </p:cTn>
                         </p:par>
-                      </p:childTnLst>
-                    </p:cTn>
-                  </p:par>
-                  <p:par>
-                    <p:cTn id="19" fill="hold">
-                      <p:stCondLst>
-                        <p:cond delay="indefinite"/>
-                      </p:stCondLst>
-                      <p:childTnLst>
                         <p:par>
-                          <p:cTn id="20" fill="hold">
+                          <p:cTn id="18" fill="hold">
                             <p:stCondLst>
-                              <p:cond delay="0"/>
+                              <p:cond delay="2000"/>
                             </p:stCondLst>
                             <p:childTnLst>
                               <p:par>
-                                <p:cTn id="21" presetID="41" presetClass="entr" presetSubtype="0" fill="hold" grpId="0" nodeType="clickEffect">
+                                <p:cTn id="19" presetID="41" presetClass="entr" presetSubtype="0" fill="hold" grpId="0" nodeType="afterEffect">
                                   <p:stCondLst>
                                     <p:cond delay="0"/>
                                   </p:stCondLst>
@@ -11108,7 +11072,7 @@
                                   <p:childTnLst>
                                     <p:set>
                                       <p:cBhvr>
-                                        <p:cTn id="22" dur="1" fill="hold">
+                                        <p:cTn id="20" dur="1" fill="hold">
                                           <p:stCondLst>
                                             <p:cond delay="0"/>
                                           </p:stCondLst>
@@ -11126,7 +11090,7 @@
                                     </p:set>
                                     <p:anim calcmode="lin" valueType="num">
                                       <p:cBhvr>
-                                        <p:cTn id="23" dur="500" fill="hold"/>
+                                        <p:cTn id="21" dur="500" fill="hold"/>
                                         <p:tgtEl>
                                           <p:spTgt spid="10"/>
                                         </p:tgtEl>
@@ -11154,7 +11118,7 @@
                                     </p:anim>
                                     <p:anim calcmode="lin" valueType="num">
                                       <p:cBhvr>
-                                        <p:cTn id="24" dur="500" fill="hold"/>
+                                        <p:cTn id="22" dur="500" fill="hold"/>
                                         <p:tgtEl>
                                           <p:spTgt spid="10"/>
                                         </p:tgtEl>
@@ -11177,7 +11141,7 @@
                                     </p:anim>
                                     <p:anim calcmode="lin" valueType="num">
                                       <p:cBhvr>
-                                        <p:cTn id="25" dur="500" fill="hold"/>
+                                        <p:cTn id="23" dur="500" fill="hold"/>
                                         <p:tgtEl>
                                           <p:spTgt spid="10"/>
                                         </p:tgtEl>
@@ -11205,7 +11169,7 @@
                                     </p:anim>
                                     <p:anim calcmode="lin" valueType="num">
                                       <p:cBhvr>
-                                        <p:cTn id="26" dur="500" fill="hold"/>
+                                        <p:cTn id="24" dur="500" fill="hold"/>
                                         <p:tgtEl>
                                           <p:spTgt spid="10"/>
                                         </p:tgtEl>
@@ -11233,7 +11197,7 @@
                                     </p:anim>
                                     <p:animEffect transition="in" filter="fade">
                                       <p:cBhvr>
-                                        <p:cTn id="27" dur="500" tmFilter="0,0; .5, 1; 1, 1"/>
+                                        <p:cTn id="25" dur="500" tmFilter="0,0; .5, 1; 1, 1"/>
                                         <p:tgtEl>
                                           <p:spTgt spid="10"/>
                                         </p:tgtEl>
@@ -12626,30 +12590,21 @@
                             </p:childTnLst>
                           </p:cTn>
                         </p:par>
-                      </p:childTnLst>
-                    </p:cTn>
-                  </p:par>
-                  <p:par>
-                    <p:cTn id="8" fill="hold">
-                      <p:stCondLst>
-                        <p:cond delay="indefinite"/>
-                      </p:stCondLst>
-                      <p:childTnLst>
                         <p:par>
-                          <p:cTn id="9" fill="hold">
+                          <p:cTn id="8" fill="hold">
                             <p:stCondLst>
-                              <p:cond delay="0"/>
+                              <p:cond delay="500"/>
                             </p:stCondLst>
                             <p:childTnLst>
                               <p:par>
-                                <p:cTn id="10" presetID="47" presetClass="entr" presetSubtype="0" fill="hold" nodeType="clickEffect">
+                                <p:cTn id="9" presetID="47" presetClass="entr" presetSubtype="0" fill="hold" nodeType="afterEffect">
                                   <p:stCondLst>
                                     <p:cond delay="0"/>
                                   </p:stCondLst>
                                   <p:childTnLst>
                                     <p:set>
                                       <p:cBhvr>
-                                        <p:cTn id="11" dur="1" fill="hold">
+                                        <p:cTn id="10" dur="1" fill="hold">
                                           <p:stCondLst>
                                             <p:cond delay="0"/>
                                           </p:stCondLst>
@@ -12667,7 +12622,7 @@
                                     </p:set>
                                     <p:animEffect transition="in" filter="fade">
                                       <p:cBhvr>
-                                        <p:cTn id="12" dur="1000"/>
+                                        <p:cTn id="11" dur="1000"/>
                                         <p:tgtEl>
                                           <p:spTgt spid="8"/>
                                         </p:tgtEl>
@@ -12675,7 +12630,7 @@
                                     </p:animEffect>
                                     <p:anim calcmode="lin" valueType="num">
                                       <p:cBhvr>
-                                        <p:cTn id="13" dur="1000" fill="hold"/>
+                                        <p:cTn id="12" dur="1000" fill="hold"/>
                                         <p:tgtEl>
                                           <p:spTgt spid="8"/>
                                         </p:tgtEl>
@@ -12698,7 +12653,7 @@
                                     </p:anim>
                                     <p:anim calcmode="lin" valueType="num">
                                       <p:cBhvr>
-                                        <p:cTn id="14" dur="1000" fill="hold"/>
+                                        <p:cTn id="13" dur="1000" fill="hold"/>
                                         <p:tgtEl>
                                           <p:spTgt spid="8"/>
                                         </p:tgtEl>
@@ -12725,30 +12680,21 @@
                             </p:childTnLst>
                           </p:cTn>
                         </p:par>
-                      </p:childTnLst>
-                    </p:cTn>
-                  </p:par>
-                  <p:par>
-                    <p:cTn id="15" fill="hold">
-                      <p:stCondLst>
-                        <p:cond delay="indefinite"/>
-                      </p:stCondLst>
-                      <p:childTnLst>
                         <p:par>
-                          <p:cTn id="16" fill="hold">
+                          <p:cTn id="14" fill="hold">
                             <p:stCondLst>
-                              <p:cond delay="0"/>
+                              <p:cond delay="1500"/>
                             </p:stCondLst>
                             <p:childTnLst>
                               <p:par>
-                                <p:cTn id="17" presetID="22" presetClass="entr" presetSubtype="4" fill="hold" nodeType="clickEffect">
+                                <p:cTn id="15" presetID="22" presetClass="entr" presetSubtype="4" fill="hold" nodeType="afterEffect">
                                   <p:stCondLst>
                                     <p:cond delay="0"/>
                                   </p:stCondLst>
                                   <p:childTnLst>
                                     <p:set>
                                       <p:cBhvr>
-                                        <p:cTn id="18" dur="1" fill="hold">
+                                        <p:cTn id="16" dur="1" fill="hold">
                                           <p:stCondLst>
                                             <p:cond delay="0"/>
                                           </p:stCondLst>
@@ -12766,7 +12712,7 @@
                                     </p:set>
                                     <p:animEffect transition="in" filter="wipe(down)">
                                       <p:cBhvr>
-                                        <p:cTn id="19" dur="500"/>
+                                        <p:cTn id="17" dur="500"/>
                                         <p:tgtEl>
                                           <p:spTgt spid="14"/>
                                         </p:tgtEl>
@@ -12778,23 +12724,14 @@
                             </p:childTnLst>
                           </p:cTn>
                         </p:par>
-                      </p:childTnLst>
-                    </p:cTn>
-                  </p:par>
-                  <p:par>
-                    <p:cTn id="20" fill="hold">
-                      <p:stCondLst>
-                        <p:cond delay="indefinite"/>
-                      </p:stCondLst>
-                      <p:childTnLst>
                         <p:par>
-                          <p:cTn id="21" fill="hold">
+                          <p:cTn id="18" fill="hold">
                             <p:stCondLst>
-                              <p:cond delay="0"/>
+                              <p:cond delay="2000"/>
                             </p:stCondLst>
                             <p:childTnLst>
                               <p:par>
-                                <p:cTn id="22" presetID="41" presetClass="entr" presetSubtype="0" fill="hold" grpId="0" nodeType="clickEffect">
+                                <p:cTn id="19" presetID="41" presetClass="entr" presetSubtype="0" fill="hold" grpId="0" nodeType="afterEffect">
                                   <p:stCondLst>
                                     <p:cond delay="0"/>
                                   </p:stCondLst>
@@ -12804,7 +12741,7 @@
                                   <p:childTnLst>
                                     <p:set>
                                       <p:cBhvr>
-                                        <p:cTn id="23" dur="1" fill="hold">
+                                        <p:cTn id="20" dur="1" fill="hold">
                                           <p:stCondLst>
                                             <p:cond delay="0"/>
                                           </p:stCondLst>
@@ -12822,7 +12759,7 @@
                                     </p:set>
                                     <p:anim calcmode="lin" valueType="num">
                                       <p:cBhvr>
-                                        <p:cTn id="24" dur="500" fill="hold"/>
+                                        <p:cTn id="21" dur="500" fill="hold"/>
                                         <p:tgtEl>
                                           <p:spTgt spid="10"/>
                                         </p:tgtEl>
@@ -12850,7 +12787,7 @@
                                     </p:anim>
                                     <p:anim calcmode="lin" valueType="num">
                                       <p:cBhvr>
-                                        <p:cTn id="25" dur="500" fill="hold"/>
+                                        <p:cTn id="22" dur="500" fill="hold"/>
                                         <p:tgtEl>
                                           <p:spTgt spid="10"/>
                                         </p:tgtEl>
@@ -12873,7 +12810,7 @@
                                     </p:anim>
                                     <p:anim calcmode="lin" valueType="num">
                                       <p:cBhvr>
-                                        <p:cTn id="26" dur="500" fill="hold"/>
+                                        <p:cTn id="23" dur="500" fill="hold"/>
                                         <p:tgtEl>
                                           <p:spTgt spid="10"/>
                                         </p:tgtEl>
@@ -12901,7 +12838,7 @@
                                     </p:anim>
                                     <p:anim calcmode="lin" valueType="num">
                                       <p:cBhvr>
-                                        <p:cTn id="27" dur="500" fill="hold"/>
+                                        <p:cTn id="24" dur="500" fill="hold"/>
                                         <p:tgtEl>
                                           <p:spTgt spid="10"/>
                                         </p:tgtEl>
@@ -12929,7 +12866,7 @@
                                     </p:anim>
                                     <p:animEffect transition="in" filter="fade">
                                       <p:cBhvr>
-                                        <p:cTn id="28" dur="500" tmFilter="0,0; .5, 1; 1, 1"/>
+                                        <p:cTn id="25" dur="500" tmFilter="0,0; .5, 1; 1, 1"/>
                                         <p:tgtEl>
                                           <p:spTgt spid="10"/>
                                         </p:tgtEl>
@@ -14408,30 +14345,21 @@
                             </p:childTnLst>
                           </p:cTn>
                         </p:par>
-                      </p:childTnLst>
-                    </p:cTn>
-                  </p:par>
-                  <p:par>
-                    <p:cTn id="8" fill="hold">
-                      <p:stCondLst>
-                        <p:cond delay="indefinite"/>
-                      </p:stCondLst>
-                      <p:childTnLst>
                         <p:par>
-                          <p:cTn id="9" fill="hold">
+                          <p:cTn id="8" fill="hold">
                             <p:stCondLst>
-                              <p:cond delay="0"/>
+                              <p:cond delay="500"/>
                             </p:stCondLst>
                             <p:childTnLst>
                               <p:par>
-                                <p:cTn id="10" presetID="47" presetClass="entr" presetSubtype="0" fill="hold" nodeType="clickEffect">
+                                <p:cTn id="9" presetID="47" presetClass="entr" presetSubtype="0" fill="hold" nodeType="afterEffect">
                                   <p:stCondLst>
                                     <p:cond delay="0"/>
                                   </p:stCondLst>
                                   <p:childTnLst>
                                     <p:set>
                                       <p:cBhvr>
-                                        <p:cTn id="11" dur="1" fill="hold">
+                                        <p:cTn id="10" dur="1" fill="hold">
                                           <p:stCondLst>
                                             <p:cond delay="0"/>
                                           </p:stCondLst>
@@ -14449,7 +14377,7 @@
                                     </p:set>
                                     <p:animEffect transition="in" filter="fade">
                                       <p:cBhvr>
-                                        <p:cTn id="12" dur="1000"/>
+                                        <p:cTn id="11" dur="1000"/>
                                         <p:tgtEl>
                                           <p:spTgt spid="8"/>
                                         </p:tgtEl>
@@ -14457,7 +14385,7 @@
                                     </p:animEffect>
                                     <p:anim calcmode="lin" valueType="num">
                                       <p:cBhvr>
-                                        <p:cTn id="13" dur="1000" fill="hold"/>
+                                        <p:cTn id="12" dur="1000" fill="hold"/>
                                         <p:tgtEl>
                                           <p:spTgt spid="8"/>
                                         </p:tgtEl>
@@ -14480,7 +14408,7 @@
                                     </p:anim>
                                     <p:anim calcmode="lin" valueType="num">
                                       <p:cBhvr>
-                                        <p:cTn id="14" dur="1000" fill="hold"/>
+                                        <p:cTn id="13" dur="1000" fill="hold"/>
                                         <p:tgtEl>
                                           <p:spTgt spid="8"/>
                                         </p:tgtEl>
@@ -14508,20 +14436,20 @@
                           </p:cTn>
                         </p:par>
                         <p:par>
-                          <p:cTn id="15" fill="hold">
+                          <p:cTn id="14" fill="hold">
                             <p:stCondLst>
-                              <p:cond delay="1000"/>
+                              <p:cond delay="1500"/>
                             </p:stCondLst>
                             <p:childTnLst>
                               <p:par>
-                                <p:cTn id="16" presetID="22" presetClass="entr" presetSubtype="4" fill="hold" nodeType="afterEffect">
+                                <p:cTn id="15" presetID="22" presetClass="entr" presetSubtype="4" fill="hold" nodeType="afterEffect">
                                   <p:stCondLst>
                                     <p:cond delay="0"/>
                                   </p:stCondLst>
                                   <p:childTnLst>
                                     <p:set>
                                       <p:cBhvr>
-                                        <p:cTn id="17" dur="1" fill="hold">
+                                        <p:cTn id="16" dur="1" fill="hold">
                                           <p:stCondLst>
                                             <p:cond delay="0"/>
                                           </p:stCondLst>
@@ -14539,7 +14467,7 @@
                                     </p:set>
                                     <p:animEffect transition="in" filter="wipe(down)">
                                       <p:cBhvr>
-                                        <p:cTn id="18" dur="500"/>
+                                        <p:cTn id="17" dur="500"/>
                                         <p:tgtEl>
                                           <p:spTgt spid="14"/>
                                         </p:tgtEl>
@@ -14551,23 +14479,14 @@
                             </p:childTnLst>
                           </p:cTn>
                         </p:par>
-                      </p:childTnLst>
-                    </p:cTn>
-                  </p:par>
-                  <p:par>
-                    <p:cTn id="19" fill="hold">
-                      <p:stCondLst>
-                        <p:cond delay="indefinite"/>
-                      </p:stCondLst>
-                      <p:childTnLst>
                         <p:par>
-                          <p:cTn id="20" fill="hold">
+                          <p:cTn id="18" fill="hold">
                             <p:stCondLst>
-                              <p:cond delay="0"/>
+                              <p:cond delay="2000"/>
                             </p:stCondLst>
                             <p:childTnLst>
                               <p:par>
-                                <p:cTn id="21" presetID="41" presetClass="entr" presetSubtype="0" fill="hold" grpId="0" nodeType="clickEffect">
+                                <p:cTn id="19" presetID="41" presetClass="entr" presetSubtype="0" fill="hold" grpId="0" nodeType="afterEffect">
                                   <p:stCondLst>
                                     <p:cond delay="0"/>
                                   </p:stCondLst>
@@ -14577,7 +14496,7 @@
                                   <p:childTnLst>
                                     <p:set>
                                       <p:cBhvr>
-                                        <p:cTn id="22" dur="1" fill="hold">
+                                        <p:cTn id="20" dur="1" fill="hold">
                                           <p:stCondLst>
                                             <p:cond delay="0"/>
                                           </p:stCondLst>
@@ -14595,7 +14514,7 @@
                                     </p:set>
                                     <p:anim calcmode="lin" valueType="num">
                                       <p:cBhvr>
-                                        <p:cTn id="23" dur="500" fill="hold"/>
+                                        <p:cTn id="21" dur="500" fill="hold"/>
                                         <p:tgtEl>
                                           <p:spTgt spid="10"/>
                                         </p:tgtEl>
@@ -14623,7 +14542,7 @@
                                     </p:anim>
                                     <p:anim calcmode="lin" valueType="num">
                                       <p:cBhvr>
-                                        <p:cTn id="24" dur="500" fill="hold"/>
+                                        <p:cTn id="22" dur="500" fill="hold"/>
                                         <p:tgtEl>
                                           <p:spTgt spid="10"/>
                                         </p:tgtEl>
@@ -14646,7 +14565,7 @@
                                     </p:anim>
                                     <p:anim calcmode="lin" valueType="num">
                                       <p:cBhvr>
-                                        <p:cTn id="25" dur="500" fill="hold"/>
+                                        <p:cTn id="23" dur="500" fill="hold"/>
                                         <p:tgtEl>
                                           <p:spTgt spid="10"/>
                                         </p:tgtEl>
@@ -14674,7 +14593,7 @@
                                     </p:anim>
                                     <p:anim calcmode="lin" valueType="num">
                                       <p:cBhvr>
-                                        <p:cTn id="26" dur="500" fill="hold"/>
+                                        <p:cTn id="24" dur="500" fill="hold"/>
                                         <p:tgtEl>
                                           <p:spTgt spid="10"/>
                                         </p:tgtEl>
@@ -14702,7 +14621,7 @@
                                     </p:anim>
                                     <p:animEffect transition="in" filter="fade">
                                       <p:cBhvr>
-                                        <p:cTn id="27" dur="500" tmFilter="0,0; .5, 1; 1, 1"/>
+                                        <p:cTn id="25" dur="500" tmFilter="0,0; .5, 1; 1, 1"/>
                                         <p:tgtEl>
                                           <p:spTgt spid="10"/>
                                         </p:tgtEl>
